--- a/report/Phase-3-Report.pptx
+++ b/report/Phase-3-Report.pptx
@@ -221,7 +221,7 @@
             <a:fld id="{E2A212DC-63B1-4901-BBA1-0E9BAC33D41C}" type="datetimeFigureOut">
               <a:rPr lang="en-IN" smtClean="0"/>
               <a:pPr/>
-              <a:t>07-06-2021</a:t>
+              <a:t>08-06-2021</a:t>
             </a:fld>
             <a:endParaRPr lang="en-IN" dirty="0"/>
           </a:p>
@@ -640,7 +640,7 @@
             <a:fld id="{3384BBED-9D3F-4E8C-A31D-76A22EE88FEB}" type="datetime1">
               <a:rPr lang="en-IN" smtClean="0"/>
               <a:pPr/>
-              <a:t>07-06-2021</a:t>
+              <a:t>08-06-2021</a:t>
             </a:fld>
             <a:endParaRPr lang="en-IN" dirty="0"/>
           </a:p>
@@ -845,7 +845,7 @@
             <a:fld id="{24AEDF3A-537D-4782-93FF-26FDB1360200}" type="datetime1">
               <a:rPr lang="en-IN" smtClean="0"/>
               <a:pPr/>
-              <a:t>07-06-2021</a:t>
+              <a:t>08-06-2021</a:t>
             </a:fld>
             <a:endParaRPr lang="en-IN" dirty="0"/>
           </a:p>
@@ -1060,7 +1060,7 @@
             <a:fld id="{8673CAB0-2917-41E3-BC62-F04238BDCF53}" type="datetime1">
               <a:rPr lang="en-IN" smtClean="0"/>
               <a:pPr/>
-              <a:t>07-06-2021</a:t>
+              <a:t>08-06-2021</a:t>
             </a:fld>
             <a:endParaRPr lang="en-IN" dirty="0"/>
           </a:p>
@@ -1265,7 +1265,7 @@
             <a:fld id="{F575E127-F269-4258-80A4-1372D3C00E8F}" type="datetime1">
               <a:rPr lang="en-IN" smtClean="0"/>
               <a:pPr/>
-              <a:t>07-06-2021</a:t>
+              <a:t>08-06-2021</a:t>
             </a:fld>
             <a:endParaRPr lang="en-IN" dirty="0"/>
           </a:p>
@@ -1546,7 +1546,7 @@
             <a:fld id="{4156EAF1-28FB-47DB-A52B-7DD7F4094843}" type="datetime1">
               <a:rPr lang="en-IN" smtClean="0"/>
               <a:pPr/>
-              <a:t>07-06-2021</a:t>
+              <a:t>08-06-2021</a:t>
             </a:fld>
             <a:endParaRPr lang="en-IN" dirty="0"/>
           </a:p>
@@ -1819,7 +1819,7 @@
             <a:fld id="{61712493-AA25-487D-8635-16C3A88B4A31}" type="datetime1">
               <a:rPr lang="en-IN" smtClean="0"/>
               <a:pPr/>
-              <a:t>07-06-2021</a:t>
+              <a:t>08-06-2021</a:t>
             </a:fld>
             <a:endParaRPr lang="en-IN" dirty="0"/>
           </a:p>
@@ -2239,7 +2239,7 @@
             <a:fld id="{3D15DECB-9A6B-47E9-8A6F-D77F03DD63AE}" type="datetime1">
               <a:rPr lang="en-IN" smtClean="0"/>
               <a:pPr/>
-              <a:t>07-06-2021</a:t>
+              <a:t>08-06-2021</a:t>
             </a:fld>
             <a:endParaRPr lang="en-IN" dirty="0"/>
           </a:p>
@@ -2386,7 +2386,7 @@
             <a:fld id="{24B391F4-8B9E-488E-9E09-6D97621EC7E8}" type="datetime1">
               <a:rPr lang="en-IN" smtClean="0"/>
               <a:pPr/>
-              <a:t>07-06-2021</a:t>
+              <a:t>08-06-2021</a:t>
             </a:fld>
             <a:endParaRPr lang="en-IN" dirty="0"/>
           </a:p>
@@ -2504,7 +2504,7 @@
             <a:fld id="{8BB56ECC-4156-47B9-B6C5-A7C7632DDAB1}" type="datetime1">
               <a:rPr lang="en-IN" smtClean="0"/>
               <a:pPr/>
-              <a:t>07-06-2021</a:t>
+              <a:t>08-06-2021</a:t>
             </a:fld>
             <a:endParaRPr lang="en-IN" dirty="0"/>
           </a:p>
@@ -2822,7 +2822,7 @@
             <a:fld id="{EB3CA7FB-8CAD-4526-8C8B-7EC5B1C9A4A6}" type="datetime1">
               <a:rPr lang="en-IN" smtClean="0"/>
               <a:pPr/>
-              <a:t>07-06-2021</a:t>
+              <a:t>08-06-2021</a:t>
             </a:fld>
             <a:endParaRPr lang="en-IN" dirty="0"/>
           </a:p>
@@ -3120,7 +3120,7 @@
             <a:fld id="{3532C8DB-8A26-4D7B-863F-CF0724AEE9FE}" type="datetime1">
               <a:rPr lang="en-IN" smtClean="0"/>
               <a:pPr/>
-              <a:t>07-06-2021</a:t>
+              <a:t>08-06-2021</a:t>
             </a:fld>
             <a:endParaRPr lang="en-IN" dirty="0"/>
           </a:p>
@@ -3368,7 +3368,7 @@
             <a:fld id="{4449D414-CE7D-46FB-9603-64E2DC9BB488}" type="datetime1">
               <a:rPr lang="en-IN" smtClean="0"/>
               <a:pPr/>
-              <a:t>07-06-2021</a:t>
+              <a:t>08-06-2021</a:t>
             </a:fld>
             <a:endParaRPr lang="en-IN" dirty="0"/>
           </a:p>
@@ -4268,7 +4268,7 @@
                 <a:tabLst/>
                 <a:defRPr/>
               </a:pPr>
-              <a:t>07-06-2021</a:t>
+              <a:t>08-06-2021</a:t>
             </a:fld>
             <a:endParaRPr kumimoji="0" lang="en-IN" sz="1200" b="0" i="0" u="none" strike="noStrike" kern="1200" cap="none" spc="0" normalizeH="0" baseline="0" noProof="0">
               <a:ln>
@@ -4878,7 +4878,7 @@
                 <a:tabLst/>
                 <a:defRPr/>
               </a:pPr>
-              <a:t>07-06-2021</a:t>
+              <a:t>08-06-2021</a:t>
             </a:fld>
             <a:endParaRPr kumimoji="0" lang="en-IN" sz="1200" b="0" i="0" u="none" strike="noStrike" kern="1200" cap="none" spc="0" normalizeH="0" baseline="0" noProof="0" dirty="0">
               <a:ln>
@@ -5677,7 +5677,7 @@
           <a:p>
             <a:fld id="{3321A1D4-0F61-4DDF-AFF7-B8502CA831AE}" type="datetime1">
               <a:rPr lang="en-IN" smtClean="0"/>
-              <a:t>07-06-2021</a:t>
+              <a:t>08-06-2021</a:t>
             </a:fld>
             <a:endParaRPr lang="en-IN" dirty="0"/>
           </a:p>
@@ -6351,7 +6351,7 @@
           <a:p>
             <a:fld id="{3321A1D4-0F61-4DDF-AFF7-B8502CA831AE}" type="datetime1">
               <a:rPr lang="en-IN" smtClean="0"/>
-              <a:t>07-06-2021</a:t>
+              <a:t>08-06-2021</a:t>
             </a:fld>
             <a:endParaRPr lang="en-IN" dirty="0"/>
           </a:p>
@@ -8221,7 +8221,7 @@
           <a:p>
             <a:fld id="{3C55786F-CA41-4729-A0B8-F6E9CCD66607}" type="datetime1">
               <a:rPr lang="en-IN" smtClean="0"/>
-              <a:t>07-06-2021</a:t>
+              <a:t>08-06-2021</a:t>
             </a:fld>
             <a:endParaRPr lang="en-IN" dirty="0"/>
           </a:p>
@@ -8866,7 +8866,7 @@
           <a:p>
             <a:fld id="{3C55786F-CA41-4729-A0B8-F6E9CCD66607}" type="datetime1">
               <a:rPr lang="en-IN" smtClean="0"/>
-              <a:t>07-06-2021</a:t>
+              <a:t>08-06-2021</a:t>
             </a:fld>
             <a:endParaRPr lang="en-IN"/>
           </a:p>
@@ -9450,7 +9450,7 @@
           <a:p>
             <a:fld id="{7EC03302-27A3-48A1-89B6-EBF671961E3D}" type="datetime1">
               <a:rPr lang="en-IN" smtClean="0"/>
-              <a:t>07-06-2021</a:t>
+              <a:t>08-06-2021</a:t>
             </a:fld>
             <a:endParaRPr lang="en-IN"/>
           </a:p>
@@ -10026,7 +10026,7 @@
           <a:p>
             <a:fld id="{86BFFD27-F244-4A33-96E2-654C0C6D62FD}" type="datetime1">
               <a:rPr lang="en-IN" smtClean="0"/>
-              <a:t>07-06-2021</a:t>
+              <a:t>08-06-2021</a:t>
             </a:fld>
             <a:endParaRPr lang="en-IN"/>
           </a:p>
@@ -10476,7 +10476,7 @@
                 <a:tabLst/>
                 <a:defRPr/>
               </a:pPr>
-              <a:t>07-06-2021</a:t>
+              <a:t>08-06-2021</a:t>
             </a:fld>
             <a:endParaRPr kumimoji="0" lang="en-IN" sz="1200" b="0" i="0" u="none" strike="noStrike" kern="1200" cap="none" spc="0" normalizeH="0" baseline="0" noProof="0">
               <a:ln>
@@ -11046,7 +11046,7 @@
                 <a:tabLst/>
                 <a:defRPr/>
               </a:pPr>
-              <a:t>07-06-2021</a:t>
+              <a:t>08-06-2021</a:t>
             </a:fld>
             <a:endParaRPr kumimoji="0" lang="en-IN" sz="1200" b="0" i="0" u="none" strike="noStrike" kern="1200" cap="none" spc="0" normalizeH="0" baseline="0" noProof="0">
               <a:ln>
@@ -11619,7 +11619,7 @@
                 <a:tabLst/>
                 <a:defRPr/>
               </a:pPr>
-              <a:t>07-06-2021</a:t>
+              <a:t>08-06-2021</a:t>
             </a:fld>
             <a:endParaRPr kumimoji="0" lang="en-IN" sz="1200" b="0" i="0" u="none" strike="noStrike" kern="1200" cap="none" spc="0" normalizeH="0" baseline="0" noProof="0">
               <a:ln>
